--- a/20230320_플랫폼론/플랫폼론.pptx
+++ b/20230320_플랫폼론/플랫폼론.pptx
@@ -19,8 +19,8 @@
     <p:sldId id="271" r:id="rId13"/>
     <p:sldId id="274" r:id="rId14"/>
     <p:sldId id="273" r:id="rId15"/>
-    <p:sldId id="266" r:id="rId16"/>
-    <p:sldId id="267" r:id="rId17"/>
+    <p:sldId id="267" r:id="rId16"/>
+    <p:sldId id="266" r:id="rId17"/>
     <p:sldId id="268" r:id="rId18"/>
     <p:sldId id="269" r:id="rId19"/>
   </p:sldIdLst>
@@ -121,6 +121,11 @@
       </a:defRPr>
     </a:lvl9pPr>
   </p:defaultTextStyle>
+  <p:extLst>
+    <p:ext uri="{EFAFB233-063F-42B5-8137-9DF3F51BA10A}">
+      <p15:sldGuideLst xmlns:p15="http://schemas.microsoft.com/office/powerpoint/2012/main"/>
+    </p:ext>
+  </p:extLst>
 </p:presentation>
 </file>
 
@@ -255,7 +260,7 @@
           <a:p>
             <a:fld id="{EB7733C4-964F-4FD5-8D98-D70F67B3F428}" type="datetimeFigureOut">
               <a:rPr lang="ko-KR" altLang="en-US" smtClean="0"/>
-              <a:t>2023-03-20</a:t>
+              <a:t>2023-03-22</a:t>
             </a:fld>
             <a:endParaRPr lang="ko-KR" altLang="en-US"/>
           </a:p>
@@ -425,7 +430,7 @@
           <a:p>
             <a:fld id="{EB7733C4-964F-4FD5-8D98-D70F67B3F428}" type="datetimeFigureOut">
               <a:rPr lang="ko-KR" altLang="en-US" smtClean="0"/>
-              <a:t>2023-03-20</a:t>
+              <a:t>2023-03-22</a:t>
             </a:fld>
             <a:endParaRPr lang="ko-KR" altLang="en-US"/>
           </a:p>
@@ -605,7 +610,7 @@
           <a:p>
             <a:fld id="{EB7733C4-964F-4FD5-8D98-D70F67B3F428}" type="datetimeFigureOut">
               <a:rPr lang="ko-KR" altLang="en-US" smtClean="0"/>
-              <a:t>2023-03-20</a:t>
+              <a:t>2023-03-22</a:t>
             </a:fld>
             <a:endParaRPr lang="ko-KR" altLang="en-US"/>
           </a:p>
@@ -775,7 +780,7 @@
           <a:p>
             <a:fld id="{EB7733C4-964F-4FD5-8D98-D70F67B3F428}" type="datetimeFigureOut">
               <a:rPr lang="ko-KR" altLang="en-US" smtClean="0"/>
-              <a:t>2023-03-20</a:t>
+              <a:t>2023-03-22</a:t>
             </a:fld>
             <a:endParaRPr lang="ko-KR" altLang="en-US"/>
           </a:p>
@@ -1021,7 +1026,7 @@
           <a:p>
             <a:fld id="{EB7733C4-964F-4FD5-8D98-D70F67B3F428}" type="datetimeFigureOut">
               <a:rPr lang="ko-KR" altLang="en-US" smtClean="0"/>
-              <a:t>2023-03-20</a:t>
+              <a:t>2023-03-22</a:t>
             </a:fld>
             <a:endParaRPr lang="ko-KR" altLang="en-US"/>
           </a:p>
@@ -1253,7 +1258,7 @@
           <a:p>
             <a:fld id="{EB7733C4-964F-4FD5-8D98-D70F67B3F428}" type="datetimeFigureOut">
               <a:rPr lang="ko-KR" altLang="en-US" smtClean="0"/>
-              <a:t>2023-03-20</a:t>
+              <a:t>2023-03-22</a:t>
             </a:fld>
             <a:endParaRPr lang="ko-KR" altLang="en-US"/>
           </a:p>
@@ -1620,7 +1625,7 @@
           <a:p>
             <a:fld id="{EB7733C4-964F-4FD5-8D98-D70F67B3F428}" type="datetimeFigureOut">
               <a:rPr lang="ko-KR" altLang="en-US" smtClean="0"/>
-              <a:t>2023-03-20</a:t>
+              <a:t>2023-03-22</a:t>
             </a:fld>
             <a:endParaRPr lang="ko-KR" altLang="en-US"/>
           </a:p>
@@ -1738,7 +1743,7 @@
           <a:p>
             <a:fld id="{EB7733C4-964F-4FD5-8D98-D70F67B3F428}" type="datetimeFigureOut">
               <a:rPr lang="ko-KR" altLang="en-US" smtClean="0"/>
-              <a:t>2023-03-20</a:t>
+              <a:t>2023-03-22</a:t>
             </a:fld>
             <a:endParaRPr lang="ko-KR" altLang="en-US"/>
           </a:p>
@@ -1833,7 +1838,7 @@
           <a:p>
             <a:fld id="{EB7733C4-964F-4FD5-8D98-D70F67B3F428}" type="datetimeFigureOut">
               <a:rPr lang="ko-KR" altLang="en-US" smtClean="0"/>
-              <a:t>2023-03-20</a:t>
+              <a:t>2023-03-22</a:t>
             </a:fld>
             <a:endParaRPr lang="ko-KR" altLang="en-US"/>
           </a:p>
@@ -2110,7 +2115,7 @@
           <a:p>
             <a:fld id="{EB7733C4-964F-4FD5-8D98-D70F67B3F428}" type="datetimeFigureOut">
               <a:rPr lang="ko-KR" altLang="en-US" smtClean="0"/>
-              <a:t>2023-03-20</a:t>
+              <a:t>2023-03-22</a:t>
             </a:fld>
             <a:endParaRPr lang="ko-KR" altLang="en-US"/>
           </a:p>
@@ -2363,7 +2368,7 @@
           <a:p>
             <a:fld id="{EB7733C4-964F-4FD5-8D98-D70F67B3F428}" type="datetimeFigureOut">
               <a:rPr lang="ko-KR" altLang="en-US" smtClean="0"/>
-              <a:t>2023-03-20</a:t>
+              <a:t>2023-03-22</a:t>
             </a:fld>
             <a:endParaRPr lang="ko-KR" altLang="en-US"/>
           </a:p>
@@ -2576,7 +2581,7 @@
           <a:p>
             <a:fld id="{EB7733C4-964F-4FD5-8D98-D70F67B3F428}" type="datetimeFigureOut">
               <a:rPr lang="ko-KR" altLang="en-US" smtClean="0"/>
-              <a:t>2023-03-20</a:t>
+              <a:t>2023-03-22</a:t>
             </a:fld>
             <a:endParaRPr lang="ko-KR" altLang="en-US"/>
           </a:p>
@@ -5774,10 +5779,148 @@
           <a:chExt cx="0" cy="0"/>
         </a:xfrm>
       </p:grpSpPr>
+      <p:sp>
+        <p:nvSpPr>
+          <p:cNvPr id="2" name="직사각형 1"/>
+          <p:cNvSpPr/>
+          <p:nvPr/>
+        </p:nvSpPr>
+        <p:spPr>
+          <a:xfrm>
+            <a:off x="542925" y="1219885"/>
+            <a:ext cx="6096000" cy="646331"/>
+          </a:xfrm>
+          <a:prstGeom prst="rect">
+            <a:avLst/>
+          </a:prstGeom>
+        </p:spPr>
+        <p:txBody>
+          <a:bodyPr>
+            <a:spAutoFit/>
+          </a:bodyPr>
+          <a:lstStyle/>
+          <a:p>
+            <a:r>
+              <a:rPr lang="ko-KR" altLang="en-US" dirty="0">
+                <a:solidFill>
+                  <a:srgbClr val="000000"/>
+                </a:solidFill>
+                <a:latin typeface="리디바탕" panose="020B0600000101010101" pitchFamily="34" charset="-127"/>
+                <a:ea typeface="리디바탕" panose="020B0600000101010101" pitchFamily="34" charset="-127"/>
+              </a:rPr>
+              <a:t>팀의 문제는 </a:t>
+            </a:r>
+            <a:r>
+              <a:rPr lang="en-US" altLang="ko-KR" dirty="0">
+                <a:solidFill>
+                  <a:srgbClr val="000000"/>
+                </a:solidFill>
+                <a:latin typeface="리디바탕" panose="020B0600000101010101" pitchFamily="34" charset="-127"/>
+                <a:ea typeface="리디바탕" panose="020B0600000101010101" pitchFamily="34" charset="-127"/>
+              </a:rPr>
+              <a:t>"</a:t>
+            </a:r>
+            <a:r>
+              <a:rPr lang="ko-KR" altLang="en-US" dirty="0">
+                <a:solidFill>
+                  <a:srgbClr val="000000"/>
+                </a:solidFill>
+                <a:latin typeface="리디바탕" panose="020B0600000101010101" pitchFamily="34" charset="-127"/>
+                <a:ea typeface="리디바탕" panose="020B0600000101010101" pitchFamily="34" charset="-127"/>
+              </a:rPr>
+              <a:t>팀을 구성</a:t>
+            </a:r>
+            <a:r>
+              <a:rPr lang="en-US" altLang="ko-KR" dirty="0">
+                <a:solidFill>
+                  <a:srgbClr val="000000"/>
+                </a:solidFill>
+                <a:latin typeface="리디바탕" panose="020B0600000101010101" pitchFamily="34" charset="-127"/>
+                <a:ea typeface="리디바탕" panose="020B0600000101010101" pitchFamily="34" charset="-127"/>
+              </a:rPr>
+              <a:t>(Organize)</a:t>
+            </a:r>
+            <a:r>
+              <a:rPr lang="ko-KR" altLang="en-US" dirty="0">
+                <a:solidFill>
+                  <a:srgbClr val="000000"/>
+                </a:solidFill>
+                <a:latin typeface="리디바탕" panose="020B0600000101010101" pitchFamily="34" charset="-127"/>
+                <a:ea typeface="리디바탕" panose="020B0600000101010101" pitchFamily="34" charset="-127"/>
+              </a:rPr>
+              <a:t>하는 방법</a:t>
+            </a:r>
+            <a:r>
+              <a:rPr lang="en-US" altLang="ko-KR" dirty="0">
+                <a:solidFill>
+                  <a:srgbClr val="000000"/>
+                </a:solidFill>
+                <a:latin typeface="리디바탕" panose="020B0600000101010101" pitchFamily="34" charset="-127"/>
+                <a:ea typeface="리디바탕" panose="020B0600000101010101" pitchFamily="34" charset="-127"/>
+              </a:rPr>
+              <a:t>"</a:t>
+            </a:r>
+            <a:r>
+              <a:rPr lang="ko-KR" altLang="en-US" dirty="0">
+                <a:solidFill>
+                  <a:srgbClr val="000000"/>
+                </a:solidFill>
+                <a:latin typeface="리디바탕" panose="020B0600000101010101" pitchFamily="34" charset="-127"/>
+                <a:ea typeface="리디바탕" panose="020B0600000101010101" pitchFamily="34" charset="-127"/>
+              </a:rPr>
+              <a:t>이 아니라 </a:t>
+            </a:r>
+            <a:r>
+              <a:rPr lang="en-US" altLang="ko-KR" dirty="0">
+                <a:solidFill>
+                  <a:srgbClr val="000000"/>
+                </a:solidFill>
+                <a:latin typeface="리디바탕" panose="020B0600000101010101" pitchFamily="34" charset="-127"/>
+                <a:ea typeface="리디바탕" panose="020B0600000101010101" pitchFamily="34" charset="-127"/>
+              </a:rPr>
+              <a:t>"</a:t>
+            </a:r>
+            <a:r>
+              <a:rPr lang="ko-KR" altLang="en-US" dirty="0">
+                <a:solidFill>
+                  <a:srgbClr val="000000"/>
+                </a:solidFill>
+                <a:latin typeface="리디바탕" panose="020B0600000101010101" pitchFamily="34" charset="-127"/>
+                <a:ea typeface="리디바탕" panose="020B0600000101010101" pitchFamily="34" charset="-127"/>
+              </a:rPr>
+              <a:t>작업 방법</a:t>
+            </a:r>
+            <a:r>
+              <a:rPr lang="en-US" altLang="ko-KR" dirty="0">
+                <a:solidFill>
+                  <a:srgbClr val="000000"/>
+                </a:solidFill>
+                <a:latin typeface="리디바탕" panose="020B0600000101010101" pitchFamily="34" charset="-127"/>
+                <a:ea typeface="리디바탕" panose="020B0600000101010101" pitchFamily="34" charset="-127"/>
+              </a:rPr>
+              <a:t>(How)"</a:t>
+            </a:r>
+            <a:r>
+              <a:rPr lang="ko-KR" altLang="en-US" dirty="0">
+                <a:solidFill>
+                  <a:srgbClr val="000000"/>
+                </a:solidFill>
+                <a:latin typeface="리디바탕" panose="020B0600000101010101" pitchFamily="34" charset="-127"/>
+                <a:ea typeface="리디바탕" panose="020B0600000101010101" pitchFamily="34" charset="-127"/>
+              </a:rPr>
+              <a:t>을 파악하는 것</a:t>
+            </a:r>
+            <a:endParaRPr lang="ko-KR" altLang="en-US" dirty="0">
+              <a:latin typeface="리디바탕" panose="020B0600000101010101" pitchFamily="34" charset="-127"/>
+              <a:ea typeface="리디바탕" panose="020B0600000101010101" pitchFamily="34" charset="-127"/>
+            </a:endParaRPr>
+          </a:p>
+        </p:txBody>
+      </p:sp>
     </p:spTree>
     <p:extLst>
       <p:ext uri="{BB962C8B-B14F-4D97-AF65-F5344CB8AC3E}">
-        <p14:creationId xmlns:p14="http://schemas.microsoft.com/office/powerpoint/2010/main" val="4052037203"/>
+        <p14:creationId xmlns:p14="http://schemas.microsoft.com/office/powerpoint/2010/main" val="1158254379"/>
       </p:ext>
     </p:extLst>
   </p:cSld>
@@ -5804,10 +5947,51 @@
           <a:chExt cx="0" cy="0"/>
         </a:xfrm>
       </p:grpSpPr>
+      <p:pic>
+        <p:nvPicPr>
+          <p:cNvPr id="2" name="Picture 2" descr="https://blog.kakaocdn.net/dn/bVJqwF/btqAVHjEU5Z/Kkyq0XwlLZGOvEevAUyNak/img.png"/>
+          <p:cNvPicPr>
+            <a:picLocks noChangeAspect="1" noChangeArrowheads="1"/>
+          </p:cNvPicPr>
+          <p:nvPr/>
+        </p:nvPicPr>
+        <p:blipFill>
+          <a:blip r:embed="rId2">
+            <a:extLst>
+              <a:ext uri="{28A0092B-C50C-407E-A947-70E740481C1C}">
+                <a14:useLocalDpi xmlns:a14="http://schemas.microsoft.com/office/drawing/2010/main" val="0"/>
+              </a:ext>
+            </a:extLst>
+          </a:blip>
+          <a:srcRect/>
+          <a:stretch>
+            <a:fillRect/>
+          </a:stretch>
+        </p:blipFill>
+        <p:spPr bwMode="auto">
+          <a:xfrm>
+            <a:off x="2127250" y="132666"/>
+            <a:ext cx="5715000" cy="3467100"/>
+          </a:xfrm>
+          <a:prstGeom prst="rect">
+            <a:avLst/>
+          </a:prstGeom>
+          <a:noFill/>
+          <a:extLst>
+            <a:ext uri="{909E8E84-426E-40DD-AFC4-6F175D3DCCD1}">
+              <a14:hiddenFill xmlns:a14="http://schemas.microsoft.com/office/drawing/2010/main">
+                <a:solidFill>
+                  <a:srgbClr val="FFFFFF"/>
+                </a:solidFill>
+              </a14:hiddenFill>
+            </a:ext>
+          </a:extLst>
+        </p:spPr>
+      </p:pic>
     </p:spTree>
     <p:extLst>
       <p:ext uri="{BB962C8B-B14F-4D97-AF65-F5344CB8AC3E}">
-        <p14:creationId xmlns:p14="http://schemas.microsoft.com/office/powerpoint/2010/main" val="1158254379"/>
+        <p14:creationId xmlns:p14="http://schemas.microsoft.com/office/powerpoint/2010/main" val="4052037203"/>
       </p:ext>
     </p:extLst>
   </p:cSld>
